--- a/docs/final_presentation_release.pptx
+++ b/docs/final_presentation_release.pptx
@@ -5039,7 +5039,6 @@
               <a:rPr lang="en-US" dirty="0" smtClean="0"/>
               <a:t>Hardware device should integrate into RAICHU system</a:t>
             </a:r>
-            <a:endParaRPr lang="en-US" dirty="0" smtClean="0"/>
           </a:p>
           <a:p>
             <a:pPr lvl="1"/>
@@ -5047,7 +5046,6 @@
               <a:rPr lang="en-US" dirty="0" smtClean="0"/>
               <a:t>Hardware should detect and acknowledge RAICHU server</a:t>
             </a:r>
-            <a:endParaRPr lang="en-US" dirty="0" smtClean="0"/>
           </a:p>
           <a:p>
             <a:pPr lvl="1"/>
@@ -5055,7 +5053,6 @@
               <a:rPr lang="en-US" dirty="0" smtClean="0"/>
               <a:t>Device malfunction should not effect server or client software/hardware</a:t>
             </a:r>
-            <a:endParaRPr lang="en-US" dirty="0" smtClean="0"/>
           </a:p>
           <a:p>
             <a:pPr lvl="1"/>
@@ -5069,13 +5066,8 @@
             </a:r>
             <a:r>
               <a:rPr lang="en-US" dirty="0" smtClean="0"/>
-              <a:t>-</a:t>
-            </a:r>
-            <a:r>
-              <a:rPr lang="en-US" dirty="0" smtClean="0"/>
-              <a:t>capable</a:t>
-            </a:r>
-            <a:endParaRPr lang="en-US" dirty="0" smtClean="0"/>
+              <a:t>-capable</a:t>
+            </a:r>
           </a:p>
         </p:txBody>
       </p:sp>
@@ -5099,13 +5091,7 @@
               <a:rPr lang="en-US" u="sng" dirty="0" smtClean="0">
                 <a:latin typeface="Alien Encounters Solid" pitchFamily="2" charset="0"/>
               </a:rPr>
-              <a:t>HARDWARE </a:t>
-            </a:r>
-            <a:r>
-              <a:rPr lang="en-US" u="sng" dirty="0" smtClean="0">
-                <a:latin typeface="Alien Encounters Solid" pitchFamily="2" charset="0"/>
-              </a:rPr>
-              <a:t>Requirements</a:t>
+              <a:t>HARDWARE Requirements</a:t>
             </a:r>
             <a:endParaRPr lang="en-US" u="sng" dirty="0">
               <a:latin typeface="Alien Encounters Solid" pitchFamily="2" charset="0"/>
@@ -5116,7 +5102,7 @@
     </p:spTree>
     <p:extLst>
       <p:ext uri="{BB962C8B-B14F-4D97-AF65-F5344CB8AC3E}">
-        <p14:creationId xmlns:p14="http://schemas.microsoft.com/office/powerpoint/2010/main" xmlns="" val="1310860115"/>
+        <p14:creationId xmlns="" xmlns:p14="http://schemas.microsoft.com/office/powerpoint/2010/main" val="1310860115"/>
       </p:ext>
     </p:extLst>
   </p:cSld>
@@ -5176,7 +5162,6 @@
               <a:rPr lang="en-US" dirty="0" smtClean="0"/>
               <a:t>Device hardware should have robust design that allows for long idle periods and fast wakeup times.</a:t>
             </a:r>
-            <a:endParaRPr lang="en-US" dirty="0" smtClean="0"/>
           </a:p>
           <a:p>
             <a:pPr lvl="1"/>
@@ -5208,13 +5193,7 @@
               <a:rPr lang="en-US" u="sng" dirty="0" smtClean="0">
                 <a:latin typeface="Alien Encounters Solid" pitchFamily="2" charset="0"/>
               </a:rPr>
-              <a:t>Hardware </a:t>
-            </a:r>
-            <a:r>
-              <a:rPr lang="en-US" u="sng" dirty="0" smtClean="0">
-                <a:latin typeface="Alien Encounters Solid" pitchFamily="2" charset="0"/>
-              </a:rPr>
-              <a:t>Requirements</a:t>
+              <a:t>Hardware Requirements</a:t>
             </a:r>
             <a:endParaRPr lang="en-US" u="sng" dirty="0">
               <a:latin typeface="Alien Encounters Solid" pitchFamily="2" charset="0"/>
@@ -5225,7 +5204,7 @@
     </p:spTree>
     <p:extLst>
       <p:ext uri="{BB962C8B-B14F-4D97-AF65-F5344CB8AC3E}">
-        <p14:creationId xmlns:p14="http://schemas.microsoft.com/office/powerpoint/2010/main" xmlns="" val="2487975549"/>
+        <p14:creationId xmlns="" xmlns:p14="http://schemas.microsoft.com/office/powerpoint/2010/main" val="2487975549"/>
       </p:ext>
     </p:extLst>
   </p:cSld>
@@ -5361,12 +5340,14 @@
             <a:pPr algn="ctr"/>
             <a:r>
               <a:rPr lang="en-US" b="0" u="sng" dirty="0" smtClean="0">
-                <a:latin typeface="Alien Encounters Solid" pitchFamily="2" charset="0"/>
+                <a:latin typeface="Times New Roman" pitchFamily="18" charset="0"/>
+                <a:cs typeface="Times New Roman" pitchFamily="18" charset="0"/>
               </a:rPr>
               <a:t>The RAICHU API</a:t>
             </a:r>
             <a:endParaRPr lang="en-US" b="0" dirty="0">
-              <a:latin typeface="Lucida Console" pitchFamily="49" charset="0"/>
+              <a:latin typeface="Times New Roman" pitchFamily="18" charset="0"/>
+              <a:cs typeface="Times New Roman" pitchFamily="18" charset="0"/>
             </a:endParaRPr>
           </a:p>
         </p:txBody>
@@ -5420,13 +5401,15 @@
           <a:p>
             <a:pPr algn="ctr"/>
             <a:r>
-              <a:rPr lang="en-US" u="sng" dirty="0" smtClean="0">
-                <a:latin typeface="Alien Encounters Solid" pitchFamily="2" charset="0"/>
+              <a:rPr lang="en-US" b="0" u="sng" dirty="0" smtClean="0">
+                <a:latin typeface="Times New Roman" pitchFamily="18" charset="0"/>
+                <a:cs typeface="Times New Roman" pitchFamily="18" charset="0"/>
               </a:rPr>
               <a:t>Server Architecture</a:t>
             </a:r>
-            <a:endParaRPr lang="en-US" u="sng" dirty="0">
-              <a:latin typeface="Alien Encounters Solid" pitchFamily="2" charset="0"/>
+            <a:endParaRPr lang="en-US" b="0" u="sng" dirty="0">
+              <a:latin typeface="Times New Roman" pitchFamily="18" charset="0"/>
+              <a:cs typeface="Times New Roman" pitchFamily="18" charset="0"/>
             </a:endParaRPr>
           </a:p>
         </p:txBody>
@@ -5443,7 +5426,7 @@
           <a:blip r:embed="rId2" cstate="print">
             <a:extLst>
               <a:ext uri="{28A0092B-C50C-407E-A947-70E740481C1C}">
-                <a14:useLocalDpi xmlns:a14="http://schemas.microsoft.com/office/drawing/2010/main" xmlns="" val="0"/>
+                <a14:useLocalDpi xmlns="" xmlns:a14="http://schemas.microsoft.com/office/drawing/2010/main" val="0"/>
               </a:ext>
             </a:extLst>
           </a:blip>
@@ -5464,7 +5447,7 @@
     </p:spTree>
     <p:extLst>
       <p:ext uri="{BB962C8B-B14F-4D97-AF65-F5344CB8AC3E}">
-        <p14:creationId xmlns:p14="http://schemas.microsoft.com/office/powerpoint/2010/main" xmlns="" val="1118925113"/>
+        <p14:creationId xmlns="" xmlns:p14="http://schemas.microsoft.com/office/powerpoint/2010/main" val="1118925113"/>
       </p:ext>
     </p:extLst>
   </p:cSld>
@@ -5508,21 +5491,13 @@
           <a:p>
             <a:r>
               <a:rPr lang="en-US" dirty="0" smtClean="0"/>
-              <a:t>Custom </a:t>
-            </a:r>
+              <a:t>Custom server application to handle clients and devices</a:t>
+            </a:r>
+          </a:p>
+          <a:p>
             <a:r>
               <a:rPr lang="en-US" dirty="0" smtClean="0"/>
-              <a:t>server application to handle clients and devices</a:t>
-            </a:r>
-          </a:p>
-          <a:p>
-            <a:r>
-              <a:rPr lang="en-US" dirty="0" smtClean="0"/>
-              <a:t>Apache </a:t>
-            </a:r>
-            <a:r>
-              <a:rPr lang="en-US" dirty="0" smtClean="0"/>
-              <a:t>HTTP web server to web clients</a:t>
+              <a:t>Apache HTTP web server to web clients</a:t>
             </a:r>
           </a:p>
           <a:p>
@@ -5532,11 +5507,7 @@
             </a:r>
             <a:r>
               <a:rPr lang="en-US" dirty="0" smtClean="0"/>
-              <a:t> </a:t>
-            </a:r>
-            <a:r>
-              <a:rPr lang="en-US" dirty="0" smtClean="0"/>
-              <a:t>for database	</a:t>
+              <a:t> for database	</a:t>
             </a:r>
           </a:p>
           <a:p>
@@ -5575,8 +5546,9 @@
           <a:p>
             <a:pPr algn="ctr"/>
             <a:r>
-              <a:rPr lang="en-US" u="sng" dirty="0" smtClean="0">
-                <a:latin typeface="Alien Encounters Solid" pitchFamily="2" charset="0"/>
+              <a:rPr lang="en-US" b="0" u="sng" dirty="0" smtClean="0">
+                <a:latin typeface="Times New Roman" pitchFamily="18" charset="0"/>
+                <a:cs typeface="Times New Roman" pitchFamily="18" charset="0"/>
               </a:rPr>
               <a:t>Server Architecture</a:t>
             </a:r>
@@ -5589,7 +5561,7 @@
     </p:spTree>
     <p:extLst>
       <p:ext uri="{BB962C8B-B14F-4D97-AF65-F5344CB8AC3E}">
-        <p14:creationId xmlns:p14="http://schemas.microsoft.com/office/powerpoint/2010/main" xmlns="" val="3084671141"/>
+        <p14:creationId xmlns="" xmlns:p14="http://schemas.microsoft.com/office/powerpoint/2010/main" val="3084671141"/>
       </p:ext>
     </p:extLst>
   </p:cSld>
@@ -5699,8 +5671,9 @@
           <a:p>
             <a:pPr algn="ctr"/>
             <a:r>
-              <a:rPr lang="en-US" i="1" u="sng" dirty="0" smtClean="0">
-                <a:latin typeface="Alien Encounters Solid" pitchFamily="2" charset="0"/>
+              <a:rPr lang="en-US" b="0" u="sng" dirty="0" smtClean="0">
+                <a:latin typeface="Times New Roman" pitchFamily="18" charset="0"/>
+                <a:cs typeface="Times New Roman" pitchFamily="18" charset="0"/>
               </a:rPr>
               <a:t>Server Architecture</a:t>
             </a:r>
@@ -5713,7 +5686,7 @@
     </p:spTree>
     <p:extLst>
       <p:ext uri="{BB962C8B-B14F-4D97-AF65-F5344CB8AC3E}">
-        <p14:creationId xmlns:p14="http://schemas.microsoft.com/office/powerpoint/2010/main" xmlns="" val="3111049772"/>
+        <p14:creationId xmlns="" xmlns:p14="http://schemas.microsoft.com/office/powerpoint/2010/main" val="3111049772"/>
       </p:ext>
     </p:extLst>
   </p:cSld>
@@ -5823,10 +5796,11 @@
           <a:p>
             <a:pPr algn="ctr"/>
             <a:r>
-              <a:rPr lang="en-US" u="sng" dirty="0" smtClean="0">
-                <a:latin typeface="Alien Encounters Solid" pitchFamily="2" charset="0"/>
+              <a:rPr lang="en-US" b="0" u="sng" dirty="0" smtClean="0">
+                <a:latin typeface="Times New Roman" pitchFamily="18" charset="0"/>
+                <a:cs typeface="Times New Roman" pitchFamily="18" charset="0"/>
               </a:rPr>
-              <a:t>Software Requirements</a:t>
+              <a:t>Server Architecture</a:t>
             </a:r>
             <a:endParaRPr lang="en-US" u="sng" dirty="0">
               <a:latin typeface="Alien Encounters Solid" pitchFamily="2" charset="0"/>
@@ -5837,7 +5811,7 @@
     </p:spTree>
     <p:extLst>
       <p:ext uri="{BB962C8B-B14F-4D97-AF65-F5344CB8AC3E}">
-        <p14:creationId xmlns:p14="http://schemas.microsoft.com/office/powerpoint/2010/main" xmlns="" val="1310860115"/>
+        <p14:creationId xmlns="" xmlns:p14="http://schemas.microsoft.com/office/powerpoint/2010/main" val="1310860115"/>
       </p:ext>
     </p:extLst>
   </p:cSld>
@@ -5939,13 +5913,15 @@
           <a:p>
             <a:pPr algn="ctr"/>
             <a:r>
-              <a:rPr lang="en-US" u="sng" dirty="0" smtClean="0">
-                <a:latin typeface="Alien Encounters Solid" pitchFamily="2" charset="0"/>
+              <a:rPr lang="en-US" b="0" u="sng" dirty="0" smtClean="0">
+                <a:latin typeface="Times New Roman" pitchFamily="18" charset="0"/>
+                <a:cs typeface="Times New Roman" pitchFamily="18" charset="0"/>
               </a:rPr>
               <a:t>Software Requirements</a:t>
             </a:r>
-            <a:endParaRPr lang="en-US" u="sng" dirty="0">
-              <a:latin typeface="Alien Encounters Solid" pitchFamily="2" charset="0"/>
+            <a:endParaRPr lang="en-US" b="0" u="sng" dirty="0">
+              <a:latin typeface="Times New Roman" pitchFamily="18" charset="0"/>
+              <a:cs typeface="Times New Roman" pitchFamily="18" charset="0"/>
             </a:endParaRPr>
           </a:p>
         </p:txBody>
@@ -5953,7 +5929,7 @@
     </p:spTree>
     <p:extLst>
       <p:ext uri="{BB962C8B-B14F-4D97-AF65-F5344CB8AC3E}">
-        <p14:creationId xmlns:p14="http://schemas.microsoft.com/office/powerpoint/2010/main" xmlns="" val="2487975549"/>
+        <p14:creationId xmlns="" xmlns:p14="http://schemas.microsoft.com/office/powerpoint/2010/main" val="2487975549"/>
       </p:ext>
     </p:extLst>
   </p:cSld>
@@ -6036,13 +6012,15 @@
           <a:p>
             <a:pPr algn="ctr"/>
             <a:r>
-              <a:rPr lang="en-US" u="sng" dirty="0" smtClean="0">
-                <a:latin typeface="Alien Encounters Solid" pitchFamily="2" charset="0"/>
+              <a:rPr lang="en-US" b="0" u="sng" dirty="0" smtClean="0">
+                <a:latin typeface="Times New Roman" pitchFamily="18" charset="0"/>
+                <a:cs typeface="Times New Roman" pitchFamily="18" charset="0"/>
               </a:rPr>
               <a:t>Server Implementation</a:t>
             </a:r>
-            <a:endParaRPr lang="en-US" u="sng" dirty="0">
-              <a:latin typeface="Alien Encounters Solid" pitchFamily="2" charset="0"/>
+            <a:endParaRPr lang="en-US" b="0" u="sng" dirty="0">
+              <a:latin typeface="Times New Roman" pitchFamily="18" charset="0"/>
+              <a:cs typeface="Times New Roman" pitchFamily="18" charset="0"/>
             </a:endParaRPr>
           </a:p>
         </p:txBody>
@@ -6050,7 +6028,7 @@
     </p:spTree>
     <p:extLst>
       <p:ext uri="{BB962C8B-B14F-4D97-AF65-F5344CB8AC3E}">
-        <p14:creationId xmlns:p14="http://schemas.microsoft.com/office/powerpoint/2010/main" xmlns="" val="2047166015"/>
+        <p14:creationId xmlns="" xmlns:p14="http://schemas.microsoft.com/office/powerpoint/2010/main" val="2047166015"/>
       </p:ext>
     </p:extLst>
   </p:cSld>
@@ -6127,12 +6105,14 @@
             <a:pPr algn="ctr"/>
             <a:r>
               <a:rPr lang="en-US" b="0" u="sng" dirty="0" smtClean="0">
-                <a:latin typeface="Alien Encounters Solid" pitchFamily="2" charset="0"/>
+                <a:latin typeface="Times New Roman" pitchFamily="18" charset="0"/>
+                <a:cs typeface="Times New Roman" pitchFamily="18" charset="0"/>
               </a:rPr>
               <a:t>The Inspiration</a:t>
             </a:r>
             <a:endParaRPr lang="en-US" b="0" dirty="0">
-              <a:latin typeface="Lucida Console" pitchFamily="49" charset="0"/>
+              <a:latin typeface="Times New Roman" pitchFamily="18" charset="0"/>
+              <a:cs typeface="Times New Roman" pitchFamily="18" charset="0"/>
             </a:endParaRPr>
           </a:p>
         </p:txBody>
@@ -6227,8 +6207,9 @@
           <a:p>
             <a:pPr algn="ctr"/>
             <a:r>
-              <a:rPr lang="en-US" u="sng" dirty="0">
-                <a:latin typeface="Alien Encounters Solid" pitchFamily="2" charset="0"/>
+              <a:rPr lang="en-US" b="0" u="sng" dirty="0">
+                <a:latin typeface="Times New Roman" pitchFamily="18" charset="0"/>
+                <a:cs typeface="Times New Roman" pitchFamily="18" charset="0"/>
               </a:rPr>
               <a:t>Server Implementation</a:t>
             </a:r>
@@ -6238,7 +6219,7 @@
     </p:spTree>
     <p:extLst>
       <p:ext uri="{BB962C8B-B14F-4D97-AF65-F5344CB8AC3E}">
-        <p14:creationId xmlns:p14="http://schemas.microsoft.com/office/powerpoint/2010/main" xmlns="" val="2483293559"/>
+        <p14:creationId xmlns="" xmlns:p14="http://schemas.microsoft.com/office/powerpoint/2010/main" val="2483293559"/>
       </p:ext>
     </p:extLst>
   </p:cSld>
@@ -6307,13 +6288,15 @@
           <a:p>
             <a:pPr algn="ctr"/>
             <a:r>
-              <a:rPr lang="en-US" u="sng" dirty="0" smtClean="0">
-                <a:latin typeface="Alien Encounters Solid" pitchFamily="2" charset="0"/>
+              <a:rPr lang="en-US" b="0" u="sng" dirty="0" smtClean="0">
+                <a:latin typeface="Times New Roman" pitchFamily="18" charset="0"/>
+                <a:cs typeface="Times New Roman" pitchFamily="18" charset="0"/>
               </a:rPr>
               <a:t>Server Issues</a:t>
             </a:r>
-            <a:endParaRPr lang="en-US" u="sng" dirty="0">
-              <a:latin typeface="Alien Encounters Solid" pitchFamily="2" charset="0"/>
+            <a:endParaRPr lang="en-US" b="0" u="sng" dirty="0">
+              <a:latin typeface="Times New Roman" pitchFamily="18" charset="0"/>
+              <a:cs typeface="Times New Roman" pitchFamily="18" charset="0"/>
             </a:endParaRPr>
           </a:p>
         </p:txBody>
@@ -6321,7 +6304,7 @@
     </p:spTree>
     <p:extLst>
       <p:ext uri="{BB962C8B-B14F-4D97-AF65-F5344CB8AC3E}">
-        <p14:creationId xmlns:p14="http://schemas.microsoft.com/office/powerpoint/2010/main" xmlns="" val="162141028"/>
+        <p14:creationId xmlns="" xmlns:p14="http://schemas.microsoft.com/office/powerpoint/2010/main" val="162141028"/>
       </p:ext>
     </p:extLst>
   </p:cSld>
@@ -6412,12 +6395,14 @@
             <a:pPr algn="ctr"/>
             <a:r>
               <a:rPr lang="en-US" b="0" u="sng" dirty="0" smtClean="0">
-                <a:latin typeface="Alien Encounters Solid" pitchFamily="2" charset="0"/>
+                <a:latin typeface="Times New Roman" pitchFamily="18" charset="0"/>
+                <a:cs typeface="Times New Roman" pitchFamily="18" charset="0"/>
               </a:rPr>
               <a:t>Team Dynamic</a:t>
             </a:r>
             <a:endParaRPr lang="en-US" b="0" dirty="0">
-              <a:latin typeface="Lucida Console" pitchFamily="49" charset="0"/>
+              <a:latin typeface="Times New Roman" pitchFamily="18" charset="0"/>
+              <a:cs typeface="Times New Roman" pitchFamily="18" charset="0"/>
             </a:endParaRPr>
           </a:p>
         </p:txBody>
@@ -6559,18 +6544,21 @@
             <a:pPr algn="ctr"/>
             <a:r>
               <a:rPr lang="en-US" b="0" u="sng" dirty="0" smtClean="0">
-                <a:latin typeface="Alien Encounters Solid" pitchFamily="2" charset="0"/>
+                <a:latin typeface="Times New Roman" pitchFamily="18" charset="0"/>
+                <a:cs typeface="Times New Roman" pitchFamily="18" charset="0"/>
               </a:rPr>
               <a:t>Individual </a:t>
             </a:r>
             <a:r>
               <a:rPr lang="en-US" b="0" u="sng" dirty="0" smtClean="0">
-                <a:latin typeface="Alien Encounters Solid" pitchFamily="2" charset="0"/>
+                <a:latin typeface="Times New Roman" pitchFamily="18" charset="0"/>
+                <a:cs typeface="Times New Roman" pitchFamily="18" charset="0"/>
               </a:rPr>
-              <a:t>responsibilities</a:t>
+              <a:t>Responsibilities</a:t>
             </a:r>
             <a:endParaRPr lang="en-US" b="0" dirty="0">
-              <a:latin typeface="Lucida Console" pitchFamily="49" charset="0"/>
+              <a:latin typeface="Times New Roman" pitchFamily="18" charset="0"/>
+              <a:cs typeface="Times New Roman" pitchFamily="18" charset="0"/>
             </a:endParaRPr>
           </a:p>
         </p:txBody>
@@ -6874,7 +6862,7 @@
     </p:spTree>
     <p:extLst>
       <p:ext uri="{BB962C8B-B14F-4D97-AF65-F5344CB8AC3E}">
-        <p14:creationId xmlns:p14="http://schemas.microsoft.com/office/powerpoint/2010/main" xmlns="" val="2380237567"/>
+        <p14:creationId xmlns="" xmlns:p14="http://schemas.microsoft.com/office/powerpoint/2010/main" val="2380237567"/>
       </p:ext>
     </p:extLst>
   </p:cSld>
@@ -6980,13 +6968,15 @@
           <a:p>
             <a:pPr algn="ctr"/>
             <a:r>
-              <a:rPr lang="en-US" u="sng" dirty="0" smtClean="0">
-                <a:latin typeface="Alien Encounters Solid" pitchFamily="2" charset="0"/>
+              <a:rPr lang="en-US" b="0" u="sng" dirty="0" smtClean="0">
+                <a:latin typeface="Times New Roman" pitchFamily="18" charset="0"/>
+                <a:cs typeface="Times New Roman" pitchFamily="18" charset="0"/>
               </a:rPr>
               <a:t>Tools Used</a:t>
             </a:r>
-            <a:endParaRPr lang="en-US" u="sng" dirty="0">
-              <a:latin typeface="Alien Encounters Solid" pitchFamily="2" charset="0"/>
+            <a:endParaRPr lang="en-US" b="0" u="sng" dirty="0">
+              <a:latin typeface="Times New Roman" pitchFamily="18" charset="0"/>
+              <a:cs typeface="Times New Roman" pitchFamily="18" charset="0"/>
             </a:endParaRPr>
           </a:p>
         </p:txBody>
@@ -6994,7 +6984,7 @@
     </p:spTree>
     <p:extLst>
       <p:ext uri="{BB962C8B-B14F-4D97-AF65-F5344CB8AC3E}">
-        <p14:creationId xmlns:p14="http://schemas.microsoft.com/office/powerpoint/2010/main" xmlns="" val="576457063"/>
+        <p14:creationId xmlns="" xmlns:p14="http://schemas.microsoft.com/office/powerpoint/2010/main" val="576457063"/>
       </p:ext>
     </p:extLst>
   </p:cSld>
@@ -7078,12 +7068,14 @@
             <a:pPr algn="ctr"/>
             <a:r>
               <a:rPr lang="en-US" b="0" u="sng" dirty="0" smtClean="0">
-                <a:latin typeface="Alien Encounters Solid" pitchFamily="2" charset="0"/>
+                <a:latin typeface="Times New Roman" pitchFamily="18" charset="0"/>
+                <a:cs typeface="Times New Roman" pitchFamily="18" charset="0"/>
               </a:rPr>
               <a:t>Future work</a:t>
             </a:r>
             <a:endParaRPr lang="en-US" b="0" dirty="0">
-              <a:latin typeface="Lucida Console" pitchFamily="49" charset="0"/>
+              <a:latin typeface="Times New Roman" pitchFamily="18" charset="0"/>
+              <a:cs typeface="Times New Roman" pitchFamily="18" charset="0"/>
             </a:endParaRPr>
           </a:p>
         </p:txBody>
@@ -7174,12 +7166,14 @@
             <a:pPr algn="ctr"/>
             <a:r>
               <a:rPr lang="en-US" b="0" u="sng" dirty="0" smtClean="0">
-                <a:latin typeface="Alien Encounters Solid" pitchFamily="2" charset="0"/>
+                <a:latin typeface="Times New Roman" pitchFamily="18" charset="0"/>
+                <a:cs typeface="Times New Roman" pitchFamily="18" charset="0"/>
               </a:rPr>
               <a:t>The Inspiration – cont.</a:t>
             </a:r>
             <a:endParaRPr lang="en-US" b="0" dirty="0">
-              <a:latin typeface="Lucida Console" pitchFamily="49" charset="0"/>
+              <a:latin typeface="Times New Roman" pitchFamily="18" charset="0"/>
+              <a:cs typeface="Times New Roman" pitchFamily="18" charset="0"/>
             </a:endParaRPr>
           </a:p>
         </p:txBody>
@@ -7430,12 +7424,21 @@
             <a:pPr algn="ctr"/>
             <a:r>
               <a:rPr lang="en-US" b="0" u="sng" dirty="0" smtClean="0">
-                <a:latin typeface="Alien Encounters Solid" pitchFamily="2" charset="0"/>
+                <a:latin typeface="Times New Roman" pitchFamily="18" charset="0"/>
+                <a:cs typeface="Times New Roman" pitchFamily="18" charset="0"/>
               </a:rPr>
-              <a:t>RAICHU DEVICES</a:t>
+              <a:t>RAICHU </a:t>
+            </a:r>
+            <a:r>
+              <a:rPr lang="en-US" b="0" u="sng" dirty="0" smtClean="0">
+                <a:latin typeface="Times New Roman" pitchFamily="18" charset="0"/>
+                <a:cs typeface="Times New Roman" pitchFamily="18" charset="0"/>
+              </a:rPr>
+              <a:t>Devices</a:t>
             </a:r>
             <a:endParaRPr lang="en-US" b="0" dirty="0">
-              <a:latin typeface="Lucida Console" pitchFamily="49" charset="0"/>
+              <a:latin typeface="Times New Roman" pitchFamily="18" charset="0"/>
+              <a:cs typeface="Times New Roman" pitchFamily="18" charset="0"/>
             </a:endParaRPr>
           </a:p>
         </p:txBody>
@@ -7726,13 +7729,15 @@
           <a:p>
             <a:pPr algn="ctr"/>
             <a:r>
-              <a:rPr lang="en-US" u="sng" dirty="0" smtClean="0">
-                <a:latin typeface="Alien Encounters Solid" pitchFamily="2" charset="0"/>
+              <a:rPr lang="en-US" b="0" u="sng" dirty="0" smtClean="0">
+                <a:latin typeface="Times New Roman" pitchFamily="18" charset="0"/>
+                <a:cs typeface="Times New Roman" pitchFamily="18" charset="0"/>
               </a:rPr>
-              <a:t>THE IDEA</a:t>
-            </a:r>
-            <a:endParaRPr lang="en-US" u="sng" dirty="0">
-              <a:latin typeface="Alien Encounters Solid" pitchFamily="2" charset="0"/>
+              <a:t>The Idea</a:t>
+            </a:r>
+            <a:endParaRPr lang="en-US" b="0" u="sng" dirty="0">
+              <a:latin typeface="Times New Roman" pitchFamily="18" charset="0"/>
+              <a:cs typeface="Times New Roman" pitchFamily="18" charset="0"/>
             </a:endParaRPr>
           </a:p>
         </p:txBody>
@@ -7835,12 +7840,21 @@
             <a:pPr algn="ctr"/>
             <a:r>
               <a:rPr lang="en-US" b="0" u="sng" dirty="0" smtClean="0">
-                <a:latin typeface="Alien Encounters Solid" pitchFamily="2" charset="0"/>
+                <a:latin typeface="Times New Roman" pitchFamily="18" charset="0"/>
+                <a:cs typeface="Times New Roman" pitchFamily="18" charset="0"/>
               </a:rPr>
-              <a:t>The impact</a:t>
+              <a:t>The </a:t>
+            </a:r>
+            <a:r>
+              <a:rPr lang="en-US" b="0" u="sng" dirty="0" smtClean="0">
+                <a:latin typeface="Times New Roman" pitchFamily="18" charset="0"/>
+                <a:cs typeface="Times New Roman" pitchFamily="18" charset="0"/>
+              </a:rPr>
+              <a:t>Impact</a:t>
             </a:r>
             <a:endParaRPr lang="en-US" b="0" dirty="0">
-              <a:latin typeface="Lucida Console" pitchFamily="49" charset="0"/>
+              <a:latin typeface="Times New Roman" pitchFamily="18" charset="0"/>
+              <a:cs typeface="Times New Roman" pitchFamily="18" charset="0"/>
             </a:endParaRPr>
           </a:p>
         </p:txBody>
@@ -7934,19 +7948,35 @@
         <p:spPr/>
         <p:txBody>
           <a:bodyPr>
-            <a:normAutofit fontScale="90000"/>
+            <a:normAutofit/>
           </a:bodyPr>
           <a:lstStyle/>
           <a:p>
             <a:pPr algn="ctr"/>
             <a:r>
               <a:rPr lang="en-US" b="0" u="sng" dirty="0" smtClean="0">
-                <a:latin typeface="Alien Encounters Solid" pitchFamily="2" charset="0"/>
+                <a:latin typeface="Times New Roman" pitchFamily="18" charset="0"/>
+                <a:cs typeface="Times New Roman" pitchFamily="18" charset="0"/>
               </a:rPr>
-              <a:t>Mobile and web Applications</a:t>
+              <a:t>Mobile and </a:t>
+            </a:r>
+            <a:r>
+              <a:rPr lang="en-US" b="0" u="sng" dirty="0" smtClean="0">
+                <a:latin typeface="Times New Roman" pitchFamily="18" charset="0"/>
+                <a:cs typeface="Times New Roman" pitchFamily="18" charset="0"/>
+              </a:rPr>
+              <a:t>Web </a:t>
+            </a:r>
+            <a:r>
+              <a:rPr lang="en-US" b="0" u="sng" dirty="0" smtClean="0">
+                <a:latin typeface="Times New Roman" pitchFamily="18" charset="0"/>
+                <a:cs typeface="Times New Roman" pitchFamily="18" charset="0"/>
+              </a:rPr>
+              <a:t>Applications</a:t>
             </a:r>
             <a:endParaRPr lang="en-US" b="0" u="sng" dirty="0">
-              <a:latin typeface="Lucida Console" pitchFamily="49" charset="0"/>
+              <a:latin typeface="Times New Roman" pitchFamily="18" charset="0"/>
+              <a:cs typeface="Times New Roman" pitchFamily="18" charset="0"/>
             </a:endParaRPr>
           </a:p>
         </p:txBody>
@@ -8027,12 +8057,35 @@
             <a:pPr algn="ctr"/>
             <a:r>
               <a:rPr lang="en-US" b="0" u="sng" dirty="0" smtClean="0">
-                <a:latin typeface="Alien Encounters Solid" pitchFamily="2" charset="0"/>
+                <a:latin typeface="Times New Roman" pitchFamily="18" charset="0"/>
+                <a:cs typeface="Times New Roman" pitchFamily="18" charset="0"/>
               </a:rPr>
-              <a:t>Client control flow</a:t>
+              <a:t>Client </a:t>
+            </a:r>
+            <a:r>
+              <a:rPr lang="en-US" b="0" u="sng" dirty="0" smtClean="0">
+                <a:latin typeface="Times New Roman" pitchFamily="18" charset="0"/>
+                <a:cs typeface="Times New Roman" pitchFamily="18" charset="0"/>
+              </a:rPr>
+              <a:t>Control </a:t>
+            </a:r>
+            <a:r>
+              <a:rPr lang="en-US" b="0" u="sng" dirty="0" smtClean="0">
+                <a:latin typeface="Times New Roman" pitchFamily="18" charset="0"/>
+                <a:cs typeface="Times New Roman" pitchFamily="18" charset="0"/>
+              </a:rPr>
+              <a:t>F</a:t>
+            </a:r>
+            <a:r>
+              <a:rPr lang="en-US" b="0" u="sng" dirty="0" smtClean="0">
+                <a:latin typeface="Times New Roman" pitchFamily="18" charset="0"/>
+                <a:cs typeface="Times New Roman" pitchFamily="18" charset="0"/>
+              </a:rPr>
+              <a:t>low</a:t>
             </a:r>
             <a:endParaRPr lang="en-US" b="0" u="sng" dirty="0">
-              <a:latin typeface="Lucida Console" pitchFamily="49" charset="0"/>
+              <a:latin typeface="Times New Roman" pitchFamily="18" charset="0"/>
+              <a:cs typeface="Times New Roman" pitchFamily="18" charset="0"/>
             </a:endParaRPr>
           </a:p>
         </p:txBody>
@@ -8265,12 +8318,14 @@
             <a:pPr algn="ctr"/>
             <a:r>
               <a:rPr lang="en-US" b="0" u="sng" dirty="0" smtClean="0">
-                <a:latin typeface="Alien Encounters Solid" pitchFamily="2" charset="0"/>
+                <a:latin typeface="Times New Roman" pitchFamily="18" charset="0"/>
+                <a:cs typeface="Times New Roman" pitchFamily="18" charset="0"/>
               </a:rPr>
               <a:t>Hardware Applications</a:t>
             </a:r>
             <a:endParaRPr lang="en-US" b="0" dirty="0">
-              <a:latin typeface="Lucida Console" pitchFamily="49" charset="0"/>
+              <a:latin typeface="Times New Roman" pitchFamily="18" charset="0"/>
+              <a:cs typeface="Times New Roman" pitchFamily="18" charset="0"/>
             </a:endParaRPr>
           </a:p>
         </p:txBody>

--- a/docs/final_presentation_release.pptx
+++ b/docs/final_presentation_release.pptx
@@ -5062,12 +5062,13 @@
             </a:r>
             <a:r>
               <a:rPr lang="en-US" dirty="0" err="1" smtClean="0"/>
-              <a:t>wifi</a:t>
+              <a:t>WiFi</a:t>
             </a:r>
             <a:r>
               <a:rPr lang="en-US" dirty="0" smtClean="0"/>
               <a:t>-capable</a:t>
             </a:r>
+            <a:endParaRPr lang="en-US" dirty="0" smtClean="0"/>
           </a:p>
         </p:txBody>
       </p:sp>
@@ -5285,7 +5286,7 @@
             <a:pPr lvl="1"/>
             <a:r>
               <a:rPr lang="en-US" sz="2400" dirty="0" err="1" smtClean="0"/>
-              <a:t>Riachu_setStatusParameters</a:t>
+              <a:t>Raichu_setStatusParameters</a:t>
             </a:r>
             <a:r>
               <a:rPr lang="en-US" sz="2400" dirty="0" smtClean="0"/>
@@ -5296,7 +5297,7 @@
             <a:pPr lvl="1"/>
             <a:r>
               <a:rPr lang="en-US" sz="2400" dirty="0" err="1" smtClean="0"/>
-              <a:t>Riachu_getConnectedClient</a:t>
+              <a:t>Raichu_getConnectedClient</a:t>
             </a:r>
             <a:r>
               <a:rPr lang="en-US" sz="2400" dirty="0" smtClean="0"/>
@@ -5306,8 +5307,8 @@
           <a:p>
             <a:pPr lvl="1"/>
             <a:r>
-              <a:rPr lang="en-US" sz="2400" dirty="0" err="1" smtClean="0"/>
-              <a:t>Riachu_getServerStatus</a:t>
+              <a:rPr lang="en-US" sz="2400" smtClean="0"/>
+              <a:t>Raichu_getServerStatus</a:t>
             </a:r>
             <a:r>
               <a:rPr lang="en-US" sz="2400" dirty="0" smtClean="0"/>
@@ -7793,7 +7794,15 @@
           <a:p>
             <a:r>
               <a:rPr lang="en-US" sz="2800" dirty="0" smtClean="0"/>
-              <a:t>With RAICHU enabled devices users will be able to access and control their devices from any where they can access the web. </a:t>
+              <a:t>With </a:t>
+            </a:r>
+            <a:r>
+              <a:rPr lang="en-US" sz="2800" dirty="0" smtClean="0"/>
+              <a:t>RAICHU </a:t>
+            </a:r>
+            <a:r>
+              <a:rPr lang="en-US" sz="2800" dirty="0" smtClean="0"/>
+              <a:t>enabled devices users will be able to access and control their devices from any where they can access the web. </a:t>
             </a:r>
           </a:p>
           <a:p>
@@ -7805,7 +7814,11 @@
           <a:p>
             <a:r>
               <a:rPr lang="en-US" sz="2800" dirty="0" smtClean="0"/>
-              <a:t>RAIHCU gives you the capability to control ‘</a:t>
+              <a:t>RAICHU </a:t>
+            </a:r>
+            <a:r>
+              <a:rPr lang="en-US" sz="2800" dirty="0" smtClean="0"/>
+              <a:t>gives you the capability to control ‘</a:t>
             </a:r>
             <a:r>
               <a:rPr lang="en-US" sz="2800" dirty="0" err="1" smtClean="0"/>
